--- a/globuly.pptx
+++ b/globuly.pptx
@@ -210,7 +210,7 @@
           <a:p>
             <a:fld id="{1F7AEFAF-C29E-A446-8B8A-B4B3920CF10A}" type="datetimeFigureOut">
               <a:rPr lang="ru-RU" smtClean="0"/>
-              <a:t>24.10.2019</a:t>
+              <a:t>25.10.2019</a:t>
             </a:fld>
             <a:endParaRPr lang="ru-RU"/>
           </a:p>
@@ -798,7 +798,15 @@
           <a:bodyPr/>
           <a:lstStyle/>
           <a:p>
-            <a:endParaRPr lang="ru-RU"/>
+            <a:r>
+              <a:rPr lang="ru-RU" dirty="0" smtClean="0"/>
+              <a:t>для</a:t>
+            </a:r>
+            <a:r>
+              <a:rPr lang="ru-RU" baseline="0" dirty="0" smtClean="0"/>
+              <a:t> нахождения первого маршрута используем жадный алгоритм Самсонова</a:t>
+            </a:r>
+            <a:endParaRPr lang="ru-RU" dirty="0"/>
           </a:p>
         </p:txBody>
       </p:sp>
@@ -819,7 +827,7 @@
           <a:p>
             <a:fld id="{E88C504D-4CED-464F-9728-77914B6D6C65}" type="slidenum">
               <a:rPr lang="ru-RU" smtClean="0"/>
-              <a:t>9</a:t>
+              <a:t>7</a:t>
             </a:fld>
             <a:endParaRPr lang="ru-RU"/>
           </a:p>
@@ -828,7 +836,7 @@
     </p:spTree>
     <p:extLst>
       <p:ext uri="{BB962C8B-B14F-4D97-AF65-F5344CB8AC3E}">
-        <p14:creationId xmlns:p14="http://schemas.microsoft.com/office/powerpoint/2010/main" val="642802961"/>
+        <p14:creationId xmlns:p14="http://schemas.microsoft.com/office/powerpoint/2010/main" val="988487039"/>
       </p:ext>
     </p:extLst>
   </p:cSld>
@@ -882,6 +890,90 @@
           <a:bodyPr/>
           <a:lstStyle/>
           <a:p>
+            <a:endParaRPr lang="ru-RU"/>
+          </a:p>
+        </p:txBody>
+      </p:sp>
+      <p:sp>
+        <p:nvSpPr>
+          <p:cNvPr id="4" name="Номер слайда 3"/>
+          <p:cNvSpPr>
+            <a:spLocks noGrp="1"/>
+          </p:cNvSpPr>
+          <p:nvPr>
+            <p:ph type="sldNum" sz="quarter" idx="10"/>
+          </p:nvPr>
+        </p:nvSpPr>
+        <p:spPr/>
+        <p:txBody>
+          <a:bodyPr/>
+          <a:lstStyle/>
+          <a:p>
+            <a:fld id="{E88C504D-4CED-464F-9728-77914B6D6C65}" type="slidenum">
+              <a:rPr lang="ru-RU" smtClean="0"/>
+              <a:t>9</a:t>
+            </a:fld>
+            <a:endParaRPr lang="ru-RU"/>
+          </a:p>
+        </p:txBody>
+      </p:sp>
+    </p:spTree>
+    <p:extLst>
+      <p:ext uri="{BB962C8B-B14F-4D97-AF65-F5344CB8AC3E}">
+        <p14:creationId xmlns:p14="http://schemas.microsoft.com/office/powerpoint/2010/main" val="642802961"/>
+      </p:ext>
+    </p:extLst>
+  </p:cSld>
+  <p:clrMapOvr>
+    <a:masterClrMapping/>
+  </p:clrMapOvr>
+</p:notes>
+</file>
+
+<file path=ppt/notesSlides/notesSlide6.xml><?xml version="1.0" encoding="utf-8"?>
+<p:notes xmlns:a="http://schemas.openxmlformats.org/drawingml/2006/main" xmlns:r="http://schemas.openxmlformats.org/officeDocument/2006/relationships" xmlns:p="http://schemas.openxmlformats.org/presentationml/2006/main">
+  <p:cSld>
+    <p:spTree>
+      <p:nvGrpSpPr>
+        <p:cNvPr id="1" name=""/>
+        <p:cNvGrpSpPr/>
+        <p:nvPr/>
+      </p:nvGrpSpPr>
+      <p:grpSpPr>
+        <a:xfrm>
+          <a:off x="0" y="0"/>
+          <a:ext cx="0" cy="0"/>
+          <a:chOff x="0" y="0"/>
+          <a:chExt cx="0" cy="0"/>
+        </a:xfrm>
+      </p:grpSpPr>
+      <p:sp>
+        <p:nvSpPr>
+          <p:cNvPr id="2" name="Образ слайда 1"/>
+          <p:cNvSpPr>
+            <a:spLocks noGrp="1" noRot="1" noChangeAspect="1"/>
+          </p:cNvSpPr>
+          <p:nvPr>
+            <p:ph type="sldImg"/>
+          </p:nvPr>
+        </p:nvSpPr>
+        <p:spPr/>
+      </p:sp>
+      <p:sp>
+        <p:nvSpPr>
+          <p:cNvPr id="3" name="Заметки 2"/>
+          <p:cNvSpPr>
+            <a:spLocks noGrp="1"/>
+          </p:cNvSpPr>
+          <p:nvPr>
+            <p:ph type="body" idx="1"/>
+          </p:nvPr>
+        </p:nvSpPr>
+        <p:spPr/>
+        <p:txBody>
+          <a:bodyPr/>
+          <a:lstStyle/>
+          <a:p>
             <a:r>
               <a:rPr lang="ru-RU" dirty="0" smtClean="0"/>
               <a:t>алгоритм строит оптимальные маршруты</a:t>
@@ -931,6 +1023,90 @@
     <p:extLst>
       <p:ext uri="{BB962C8B-B14F-4D97-AF65-F5344CB8AC3E}">
         <p14:creationId xmlns:p14="http://schemas.microsoft.com/office/powerpoint/2010/main" val="603856753"/>
+      </p:ext>
+    </p:extLst>
+  </p:cSld>
+  <p:clrMapOvr>
+    <a:masterClrMapping/>
+  </p:clrMapOvr>
+</p:notes>
+</file>
+
+<file path=ppt/notesSlides/notesSlide7.xml><?xml version="1.0" encoding="utf-8"?>
+<p:notes xmlns:a="http://schemas.openxmlformats.org/drawingml/2006/main" xmlns:r="http://schemas.openxmlformats.org/officeDocument/2006/relationships" xmlns:p="http://schemas.openxmlformats.org/presentationml/2006/main">
+  <p:cSld>
+    <p:spTree>
+      <p:nvGrpSpPr>
+        <p:cNvPr id="1" name=""/>
+        <p:cNvGrpSpPr/>
+        <p:nvPr/>
+      </p:nvGrpSpPr>
+      <p:grpSpPr>
+        <a:xfrm>
+          <a:off x="0" y="0"/>
+          <a:ext cx="0" cy="0"/>
+          <a:chOff x="0" y="0"/>
+          <a:chExt cx="0" cy="0"/>
+        </a:xfrm>
+      </p:grpSpPr>
+      <p:sp>
+        <p:nvSpPr>
+          <p:cNvPr id="2" name="Образ слайда 1"/>
+          <p:cNvSpPr>
+            <a:spLocks noGrp="1" noRot="1" noChangeAspect="1"/>
+          </p:cNvSpPr>
+          <p:nvPr>
+            <p:ph type="sldImg"/>
+          </p:nvPr>
+        </p:nvSpPr>
+        <p:spPr/>
+      </p:sp>
+      <p:sp>
+        <p:nvSpPr>
+          <p:cNvPr id="3" name="Заметки 2"/>
+          <p:cNvSpPr>
+            <a:spLocks noGrp="1"/>
+          </p:cNvSpPr>
+          <p:nvPr>
+            <p:ph type="body" idx="1"/>
+          </p:nvPr>
+        </p:nvSpPr>
+        <p:spPr/>
+        <p:txBody>
+          <a:bodyPr/>
+          <a:lstStyle/>
+          <a:p>
+            <a:endParaRPr lang="ru-RU" dirty="0"/>
+          </a:p>
+        </p:txBody>
+      </p:sp>
+      <p:sp>
+        <p:nvSpPr>
+          <p:cNvPr id="4" name="Номер слайда 3"/>
+          <p:cNvSpPr>
+            <a:spLocks noGrp="1"/>
+          </p:cNvSpPr>
+          <p:nvPr>
+            <p:ph type="sldNum" sz="quarter" idx="10"/>
+          </p:nvPr>
+        </p:nvSpPr>
+        <p:spPr/>
+        <p:txBody>
+          <a:bodyPr/>
+          <a:lstStyle/>
+          <a:p>
+            <a:fld id="{E88C504D-4CED-464F-9728-77914B6D6C65}" type="slidenum">
+              <a:rPr lang="ru-RU" smtClean="0"/>
+              <a:t>13</a:t>
+            </a:fld>
+            <a:endParaRPr lang="ru-RU"/>
+          </a:p>
+        </p:txBody>
+      </p:sp>
+    </p:spTree>
+    <p:extLst>
+      <p:ext uri="{BB962C8B-B14F-4D97-AF65-F5344CB8AC3E}">
+        <p14:creationId xmlns:p14="http://schemas.microsoft.com/office/powerpoint/2010/main" val="1068275903"/>
       </p:ext>
     </p:extLst>
   </p:cSld>
@@ -1142,7 +1318,7 @@
           <a:p>
             <a:fld id="{D8EA78DB-7017-C84C-8502-3CF05F5B7DF2}" type="datetime1">
               <a:rPr lang="ru-RU" smtClean="0"/>
-              <a:t>24.10.2019</a:t>
+              <a:t>25.10.2019</a:t>
             </a:fld>
             <a:endParaRPr lang="ru-RU"/>
           </a:p>
@@ -1319,7 +1495,7 @@
           <a:p>
             <a:fld id="{367A14BB-D7D3-6B46-B403-964AAC333086}" type="datetime1">
               <a:rPr lang="ru-RU" smtClean="0"/>
-              <a:t>24.10.2019</a:t>
+              <a:t>25.10.2019</a:t>
             </a:fld>
             <a:endParaRPr lang="ru-RU"/>
           </a:p>
@@ -1511,7 +1687,7 @@
           <a:p>
             <a:fld id="{83026652-61B5-8941-9116-409021FB569A}" type="datetime1">
               <a:rPr lang="ru-RU" smtClean="0"/>
-              <a:t>24.10.2019</a:t>
+              <a:t>25.10.2019</a:t>
             </a:fld>
             <a:endParaRPr lang="ru-RU"/>
           </a:p>
@@ -2073,7 +2249,7 @@
           <a:p>
             <a:fld id="{E06975AC-F1A4-8848-AD23-FFA53799B1AB}" type="datetime1">
               <a:rPr lang="ru-RU" smtClean="0"/>
-              <a:t>24.10.2019</a:t>
+              <a:t>25.10.2019</a:t>
             </a:fld>
             <a:endParaRPr lang="ru-RU"/>
           </a:p>
@@ -2317,7 +2493,7 @@
           <a:p>
             <a:fld id="{7899AFBB-555D-9E4D-9D8F-1237A2761D9C}" type="datetime1">
               <a:rPr lang="ru-RU" smtClean="0"/>
-              <a:t>24.10.2019</a:t>
+              <a:t>25.10.2019</a:t>
             </a:fld>
             <a:endParaRPr lang="ru-RU"/>
           </a:p>
@@ -2696,7 +2872,7 @@
           <a:p>
             <a:fld id="{C2D2AD14-86A8-EB4D-9270-59F8D0DA1FBA}" type="datetime1">
               <a:rPr lang="ru-RU" smtClean="0"/>
-              <a:t>24.10.2019</a:t>
+              <a:t>25.10.2019</a:t>
             </a:fld>
             <a:endParaRPr lang="ru-RU"/>
           </a:p>
@@ -2814,7 +2990,7 @@
           <a:p>
             <a:fld id="{B513744C-9CA0-F847-86E4-B49415FA0C46}" type="datetime1">
               <a:rPr lang="ru-RU" smtClean="0"/>
-              <a:t>24.10.2019</a:t>
+              <a:t>25.10.2019</a:t>
             </a:fld>
             <a:endParaRPr lang="ru-RU"/>
           </a:p>
@@ -2909,7 +3085,7 @@
           <a:p>
             <a:fld id="{739314B9-77F4-114B-9490-E788158975C5}" type="datetime1">
               <a:rPr lang="ru-RU" smtClean="0"/>
-              <a:t>24.10.2019</a:t>
+              <a:t>25.10.2019</a:t>
             </a:fld>
             <a:endParaRPr lang="ru-RU"/>
           </a:p>
@@ -3198,7 +3374,7 @@
           <a:p>
             <a:fld id="{2957595D-10B3-0F4F-9BC7-FBE3323F8B03}" type="datetime1">
               <a:rPr lang="ru-RU" smtClean="0"/>
-              <a:t>24.10.2019</a:t>
+              <a:t>25.10.2019</a:t>
             </a:fld>
             <a:endParaRPr lang="ru-RU"/>
           </a:p>
@@ -3463,7 +3639,7 @@
           <a:p>
             <a:fld id="{AFBD92A5-15B5-7F46-9F13-10AC17388D84}" type="datetime1">
               <a:rPr lang="ru-RU" smtClean="0"/>
-              <a:t>24.10.2019</a:t>
+              <a:t>25.10.2019</a:t>
             </a:fld>
             <a:endParaRPr lang="ru-RU"/>
           </a:p>
@@ -3740,7 +3916,7 @@
           <a:p>
             <a:fld id="{4D174D8D-3ED2-AE4B-B8D8-A38C5221301C}" type="datetime1">
               <a:rPr lang="ru-RU" smtClean="0"/>
-              <a:t>24.10.2019</a:t>
+              <a:t>25.10.2019</a:t>
             </a:fld>
             <a:endParaRPr lang="ru-RU"/>
           </a:p>
@@ -4810,8 +4986,35 @@
           <a:p>
             <a:r>
               <a:rPr lang="ru-RU" dirty="0" smtClean="0"/>
-              <a:t>реализовано рабочее решение</a:t>
-            </a:r>
+              <a:t>рабочее решение</a:t>
+            </a:r>
+          </a:p>
+          <a:p>
+            <a:r>
+              <a:rPr lang="ru-RU" dirty="0" smtClean="0"/>
+              <a:t>динамический выбор эвристик</a:t>
+            </a:r>
+          </a:p>
+          <a:p>
+            <a:r>
+              <a:rPr lang="ru-RU" dirty="0" smtClean="0"/>
+              <a:t>оптимизация выбора решения</a:t>
+            </a:r>
+          </a:p>
+          <a:p>
+            <a:r>
+              <a:rPr lang="ru-RU" dirty="0" smtClean="0"/>
+              <a:t>использование специализированных инструментов</a:t>
+            </a:r>
+          </a:p>
+          <a:p>
+            <a:r>
+              <a:rPr lang="ru-RU" dirty="0" smtClean="0"/>
+              <a:t>возможность легкого перехода на другие платформы</a:t>
+            </a:r>
+          </a:p>
+          <a:p>
+            <a:endParaRPr lang="ru-RU" dirty="0" smtClean="0"/>
           </a:p>
           <a:p>
             <a:endParaRPr lang="ru-RU" dirty="0" smtClean="0"/>
@@ -6260,12 +6463,8 @@
           <a:lstStyle/>
           <a:p>
             <a:r>
-              <a:rPr lang="ru-RU" dirty="0"/>
-              <a:t>Алгоритм </a:t>
-            </a:r>
-            <a:r>
-              <a:rPr lang="ru-RU" dirty="0" err="1"/>
-              <a:t>Кристофидеса</a:t>
+              <a:rPr lang="ru-RU" dirty="0" smtClean="0"/>
+              <a:t>Жадные алгоритмы</a:t>
             </a:r>
             <a:endParaRPr lang="ru-RU" dirty="0"/>
           </a:p>
@@ -6283,48 +6482,33 @@
         </p:nvSpPr>
         <p:spPr/>
         <p:txBody>
-          <a:bodyPr/>
-          <a:lstStyle/>
-          <a:p>
-            <a:r>
-              <a:rPr lang="ru-RU" dirty="0"/>
-              <a:t>аппроксимационный алгоритм </a:t>
-            </a:r>
+          <a:bodyPr>
+            <a:normAutofit/>
+          </a:bodyPr>
+          <a:lstStyle/>
+          <a:p>
             <a:r>
               <a:rPr lang="ru-RU" dirty="0" smtClean="0"/>
-              <a:t>для поиска приближённых решений </a:t>
-            </a:r>
-            <a:r>
-              <a:rPr lang="ru-RU" dirty="0"/>
-              <a:t>задачи </a:t>
-            </a:r>
+              <a:t>принимает локально оптимальное решение на каждом этапе</a:t>
+            </a:r>
+          </a:p>
+          <a:p>
             <a:r>
               <a:rPr lang="ru-RU" dirty="0" smtClean="0"/>
-              <a:t>коммивояжёра</a:t>
-            </a:r>
-          </a:p>
-          <a:p>
-            <a:r>
-              <a:rPr lang="ru-RU" dirty="0"/>
-              <a:t>решения </a:t>
-            </a:r>
+              <a:t>позволяет быстро найти достаточно хорошее приближение оптимального решения</a:t>
+            </a:r>
+          </a:p>
+          <a:p>
             <a:r>
               <a:rPr lang="ru-RU" dirty="0" smtClean="0"/>
-              <a:t>гарантированно находятся в пределах 3/2 от длины </a:t>
-            </a:r>
-            <a:r>
-              <a:rPr lang="ru-RU" dirty="0"/>
-              <a:t>оптимального </a:t>
-            </a:r>
+              <a:t>не гарантирует нахождения оптимального решения</a:t>
+            </a:r>
+            <a:endParaRPr lang="en-US" dirty="0" smtClean="0"/>
+          </a:p>
+          <a:p>
             <a:r>
               <a:rPr lang="ru-RU" dirty="0" smtClean="0"/>
-              <a:t>решения</a:t>
-            </a:r>
-          </a:p>
-          <a:p>
-            <a:r>
-              <a:rPr lang="ru-RU" dirty="0" smtClean="0"/>
-              <a:t>лучший аппроксимационный коэффициент для общих случаев</a:t>
+              <a:t>в решении используется для первой итерации</a:t>
             </a:r>
             <a:endParaRPr lang="ru-RU" dirty="0"/>
           </a:p>
@@ -6444,7 +6628,11 @@
           <a:p>
             <a:r>
               <a:rPr lang="ru-RU" dirty="0" smtClean="0"/>
-              <a:t>оптимизация для алгоритмов локального поиска</a:t>
+              <a:t>оптимизирует алгоритмы </a:t>
+            </a:r>
+            <a:r>
+              <a:rPr lang="ru-RU" dirty="0" smtClean="0"/>
+              <a:t>локального поиска</a:t>
             </a:r>
           </a:p>
           <a:p>

--- a/globuly.pptx
+++ b/globuly.pptx
@@ -1,11 +1,11 @@
 
 <file path=ppt/presentation.xml><?xml version="1.0" encoding="utf-8"?>
-<p:presentation xmlns:a="http://schemas.openxmlformats.org/drawingml/2006/main" xmlns:r="http://schemas.openxmlformats.org/officeDocument/2006/relationships" xmlns:p="http://schemas.openxmlformats.org/presentationml/2006/main" firstSlideNum="0" saveSubsetFonts="1" autoCompressPictures="0">
+<p:presentation xmlns:a="http://schemas.openxmlformats.org/drawingml/2006/main" xmlns:r="http://schemas.openxmlformats.org/officeDocument/2006/relationships" xmlns:p="http://schemas.openxmlformats.org/presentationml/2006/main" showSpecialPlsOnTitleSld="0" saveSubsetFonts="1" autoCompressPictures="0">
   <p:sldMasterIdLst>
     <p:sldMasterId id="2147483756" r:id="rId1"/>
   </p:sldMasterIdLst>
   <p:notesMasterIdLst>
-    <p:notesMasterId r:id="rId16"/>
+    <p:notesMasterId r:id="rId17"/>
   </p:notesMasterIdLst>
   <p:sldIdLst>
     <p:sldId id="256" r:id="rId2"/>
@@ -22,6 +22,7 @@
     <p:sldId id="263" r:id="rId13"/>
     <p:sldId id="265" r:id="rId14"/>
     <p:sldId id="264" r:id="rId15"/>
+    <p:sldId id="274" r:id="rId16"/>
   </p:sldIdLst>
   <p:sldSz cx="12192000" cy="6858000"/>
   <p:notesSz cx="6858000" cy="9144000"/>
@@ -552,7 +553,7 @@
     </p:spTree>
     <p:extLst>
       <p:ext uri="{BB962C8B-B14F-4D97-AF65-F5344CB8AC3E}">
-        <p14:creationId xmlns:p14="http://schemas.microsoft.com/office/powerpoint/2010/main" val="141555559"/>
+        <p14:creationId xmlns:p14="http://schemas.microsoft.com/office/powerpoint/2010/main" val="388509783"/>
       </p:ext>
     </p:extLst>
   </p:cSld>
@@ -606,7 +607,7 @@
           <a:bodyPr/>
           <a:lstStyle/>
           <a:p>
-            <a:endParaRPr lang="ru-RU" dirty="0"/>
+            <a:endParaRPr lang="ru-RU"/>
           </a:p>
         </p:txBody>
       </p:sp>
@@ -627,7 +628,7 @@
           <a:p>
             <a:fld id="{E88C504D-4CED-464F-9728-77914B6D6C65}" type="slidenum">
               <a:rPr lang="ru-RU" smtClean="0"/>
-              <a:t>4</a:t>
+              <a:t>3</a:t>
             </a:fld>
             <a:endParaRPr lang="ru-RU"/>
           </a:p>
@@ -636,7 +637,7 @@
     </p:spTree>
     <p:extLst>
       <p:ext uri="{BB962C8B-B14F-4D97-AF65-F5344CB8AC3E}">
-        <p14:creationId xmlns:p14="http://schemas.microsoft.com/office/powerpoint/2010/main" val="731536198"/>
+        <p14:creationId xmlns:p14="http://schemas.microsoft.com/office/powerpoint/2010/main" val="141555559"/>
       </p:ext>
     </p:extLst>
   </p:cSld>
@@ -690,30 +691,6 @@
           <a:bodyPr/>
           <a:lstStyle/>
           <a:p>
-            <a:r>
-              <a:rPr lang="ru-RU" dirty="0" smtClean="0"/>
-              <a:t>Синие точки графа - локации</a:t>
-            </a:r>
-            <a:r>
-              <a:rPr lang="en-US" dirty="0" smtClean="0"/>
-              <a:t>,</a:t>
-            </a:r>
-            <a:r>
-              <a:rPr lang="en-US" baseline="0" dirty="0" smtClean="0"/>
-              <a:t> </a:t>
-            </a:r>
-            <a:r>
-              <a:rPr lang="ru-RU" baseline="0" dirty="0" smtClean="0"/>
-              <a:t>которые нужно посетить</a:t>
-            </a:r>
-            <a:r>
-              <a:rPr lang="en-US" baseline="0" dirty="0" smtClean="0"/>
-              <a:t>, </a:t>
-            </a:r>
-            <a:r>
-              <a:rPr lang="ru-RU" baseline="0" dirty="0" smtClean="0"/>
-              <a:t>красные цифры - ограничения</a:t>
-            </a:r>
             <a:endParaRPr lang="ru-RU" dirty="0"/>
           </a:p>
         </p:txBody>
@@ -744,7 +721,7 @@
     </p:spTree>
     <p:extLst>
       <p:ext uri="{BB962C8B-B14F-4D97-AF65-F5344CB8AC3E}">
-        <p14:creationId xmlns:p14="http://schemas.microsoft.com/office/powerpoint/2010/main" val="2075681133"/>
+        <p14:creationId xmlns:p14="http://schemas.microsoft.com/office/powerpoint/2010/main" val="731536198"/>
       </p:ext>
     </p:extLst>
   </p:cSld>
@@ -800,11 +777,27 @@
           <a:p>
             <a:r>
               <a:rPr lang="ru-RU" dirty="0" smtClean="0"/>
-              <a:t>для</a:t>
+              <a:t>Синие точки графа - локации</a:t>
+            </a:r>
+            <a:r>
+              <a:rPr lang="en-US" dirty="0" smtClean="0"/>
+              <a:t>,</a:t>
+            </a:r>
+            <a:r>
+              <a:rPr lang="en-US" baseline="0" dirty="0" smtClean="0"/>
+              <a:t> </a:t>
             </a:r>
             <a:r>
               <a:rPr lang="ru-RU" baseline="0" dirty="0" smtClean="0"/>
-              <a:t> нахождения первого маршрута используем жадный алгоритм Самсонова</a:t>
+              <a:t>которые нужно посетить</a:t>
+            </a:r>
+            <a:r>
+              <a:rPr lang="en-US" baseline="0" dirty="0" smtClean="0"/>
+              <a:t>, </a:t>
+            </a:r>
+            <a:r>
+              <a:rPr lang="ru-RU" baseline="0" dirty="0" smtClean="0"/>
+              <a:t>красные цифры - ограничения</a:t>
             </a:r>
             <a:endParaRPr lang="ru-RU" dirty="0"/>
           </a:p>
@@ -827,7 +820,7 @@
           <a:p>
             <a:fld id="{E88C504D-4CED-464F-9728-77914B6D6C65}" type="slidenum">
               <a:rPr lang="ru-RU" smtClean="0"/>
-              <a:t>7</a:t>
+              <a:t>6</a:t>
             </a:fld>
             <a:endParaRPr lang="ru-RU"/>
           </a:p>
@@ -836,7 +829,7 @@
     </p:spTree>
     <p:extLst>
       <p:ext uri="{BB962C8B-B14F-4D97-AF65-F5344CB8AC3E}">
-        <p14:creationId xmlns:p14="http://schemas.microsoft.com/office/powerpoint/2010/main" val="988487039"/>
+        <p14:creationId xmlns:p14="http://schemas.microsoft.com/office/powerpoint/2010/main" val="2075681133"/>
       </p:ext>
     </p:extLst>
   </p:cSld>
@@ -890,7 +883,15 @@
           <a:bodyPr/>
           <a:lstStyle/>
           <a:p>
-            <a:endParaRPr lang="ru-RU"/>
+            <a:r>
+              <a:rPr lang="ru-RU" dirty="0" smtClean="0"/>
+              <a:t>для</a:t>
+            </a:r>
+            <a:r>
+              <a:rPr lang="ru-RU" baseline="0" dirty="0" smtClean="0"/>
+              <a:t> нахождения первого маршрута используем жадный алгоритм Самсонова</a:t>
+            </a:r>
+            <a:endParaRPr lang="ru-RU" dirty="0"/>
           </a:p>
         </p:txBody>
       </p:sp>
@@ -911,7 +912,7 @@
           <a:p>
             <a:fld id="{E88C504D-4CED-464F-9728-77914B6D6C65}" type="slidenum">
               <a:rPr lang="ru-RU" smtClean="0"/>
-              <a:t>9</a:t>
+              <a:t>8</a:t>
             </a:fld>
             <a:endParaRPr lang="ru-RU"/>
           </a:p>
@@ -920,7 +921,7 @@
     </p:spTree>
     <p:extLst>
       <p:ext uri="{BB962C8B-B14F-4D97-AF65-F5344CB8AC3E}">
-        <p14:creationId xmlns:p14="http://schemas.microsoft.com/office/powerpoint/2010/main" val="642802961"/>
+        <p14:creationId xmlns:p14="http://schemas.microsoft.com/office/powerpoint/2010/main" val="988487039"/>
       </p:ext>
     </p:extLst>
   </p:cSld>
@@ -974,25 +975,7 @@
           <a:bodyPr/>
           <a:lstStyle/>
           <a:p>
-            <a:r>
-              <a:rPr lang="ru-RU" dirty="0" smtClean="0"/>
-              <a:t>алгоритм строит оптимальные маршруты</a:t>
-            </a:r>
-            <a:r>
-              <a:rPr lang="en-US" baseline="0" dirty="0" smtClean="0"/>
-              <a:t>, </a:t>
-            </a:r>
-            <a:r>
-              <a:rPr lang="ru-RU" baseline="0" dirty="0" smtClean="0"/>
-              <a:t>выкидывая неэффективные точки</a:t>
-            </a:r>
-          </a:p>
-          <a:p>
-            <a:r>
-              <a:rPr lang="ru-RU" baseline="0" dirty="0" smtClean="0"/>
-              <a:t>каждая машина едет по оптимальному маршруту</a:t>
-            </a:r>
-            <a:endParaRPr lang="ru-RU" dirty="0"/>
+            <a:endParaRPr lang="ru-RU"/>
           </a:p>
         </p:txBody>
       </p:sp>
@@ -1013,7 +996,7 @@
           <a:p>
             <a:fld id="{E88C504D-4CED-464F-9728-77914B6D6C65}" type="slidenum">
               <a:rPr lang="ru-RU" smtClean="0"/>
-              <a:t>11</a:t>
+              <a:t>10</a:t>
             </a:fld>
             <a:endParaRPr lang="ru-RU"/>
           </a:p>
@@ -1022,7 +1005,7 @@
     </p:spTree>
     <p:extLst>
       <p:ext uri="{BB962C8B-B14F-4D97-AF65-F5344CB8AC3E}">
-        <p14:creationId xmlns:p14="http://schemas.microsoft.com/office/powerpoint/2010/main" val="603856753"/>
+        <p14:creationId xmlns:p14="http://schemas.microsoft.com/office/powerpoint/2010/main" val="642802961"/>
       </p:ext>
     </p:extLst>
   </p:cSld>
@@ -1076,6 +1059,24 @@
           <a:bodyPr/>
           <a:lstStyle/>
           <a:p>
+            <a:r>
+              <a:rPr lang="ru-RU" dirty="0" smtClean="0"/>
+              <a:t>алгоритм строит оптимальные маршруты</a:t>
+            </a:r>
+            <a:r>
+              <a:rPr lang="en-US" baseline="0" dirty="0" smtClean="0"/>
+              <a:t>, </a:t>
+            </a:r>
+            <a:r>
+              <a:rPr lang="ru-RU" baseline="0" dirty="0" smtClean="0"/>
+              <a:t>выкидывая неэффективные точки</a:t>
+            </a:r>
+          </a:p>
+          <a:p>
+            <a:r>
+              <a:rPr lang="ru-RU" baseline="0" dirty="0" smtClean="0"/>
+              <a:t>каждая машина едет по оптимальному маршруту</a:t>
+            </a:r>
             <a:endParaRPr lang="ru-RU" dirty="0"/>
           </a:p>
         </p:txBody>
@@ -1097,7 +1098,91 @@
           <a:p>
             <a:fld id="{E88C504D-4CED-464F-9728-77914B6D6C65}" type="slidenum">
               <a:rPr lang="ru-RU" smtClean="0"/>
-              <a:t>13</a:t>
+              <a:t>12</a:t>
+            </a:fld>
+            <a:endParaRPr lang="ru-RU"/>
+          </a:p>
+        </p:txBody>
+      </p:sp>
+    </p:spTree>
+    <p:extLst>
+      <p:ext uri="{BB962C8B-B14F-4D97-AF65-F5344CB8AC3E}">
+        <p14:creationId xmlns:p14="http://schemas.microsoft.com/office/powerpoint/2010/main" val="603856753"/>
+      </p:ext>
+    </p:extLst>
+  </p:cSld>
+  <p:clrMapOvr>
+    <a:masterClrMapping/>
+  </p:clrMapOvr>
+</p:notes>
+</file>
+
+<file path=ppt/notesSlides/notesSlide8.xml><?xml version="1.0" encoding="utf-8"?>
+<p:notes xmlns:a="http://schemas.openxmlformats.org/drawingml/2006/main" xmlns:r="http://schemas.openxmlformats.org/officeDocument/2006/relationships" xmlns:p="http://schemas.openxmlformats.org/presentationml/2006/main">
+  <p:cSld>
+    <p:spTree>
+      <p:nvGrpSpPr>
+        <p:cNvPr id="1" name=""/>
+        <p:cNvGrpSpPr/>
+        <p:nvPr/>
+      </p:nvGrpSpPr>
+      <p:grpSpPr>
+        <a:xfrm>
+          <a:off x="0" y="0"/>
+          <a:ext cx="0" cy="0"/>
+          <a:chOff x="0" y="0"/>
+          <a:chExt cx="0" cy="0"/>
+        </a:xfrm>
+      </p:grpSpPr>
+      <p:sp>
+        <p:nvSpPr>
+          <p:cNvPr id="2" name="Образ слайда 1"/>
+          <p:cNvSpPr>
+            <a:spLocks noGrp="1" noRot="1" noChangeAspect="1"/>
+          </p:cNvSpPr>
+          <p:nvPr>
+            <p:ph type="sldImg"/>
+          </p:nvPr>
+        </p:nvSpPr>
+        <p:spPr/>
+      </p:sp>
+      <p:sp>
+        <p:nvSpPr>
+          <p:cNvPr id="3" name="Заметки 2"/>
+          <p:cNvSpPr>
+            <a:spLocks noGrp="1"/>
+          </p:cNvSpPr>
+          <p:nvPr>
+            <p:ph type="body" idx="1"/>
+          </p:nvPr>
+        </p:nvSpPr>
+        <p:spPr/>
+        <p:txBody>
+          <a:bodyPr/>
+          <a:lstStyle/>
+          <a:p>
+            <a:endParaRPr lang="ru-RU" dirty="0"/>
+          </a:p>
+        </p:txBody>
+      </p:sp>
+      <p:sp>
+        <p:nvSpPr>
+          <p:cNvPr id="4" name="Номер слайда 3"/>
+          <p:cNvSpPr>
+            <a:spLocks noGrp="1"/>
+          </p:cNvSpPr>
+          <p:nvPr>
+            <p:ph type="sldNum" sz="quarter" idx="10"/>
+          </p:nvPr>
+        </p:nvSpPr>
+        <p:spPr/>
+        <p:txBody>
+          <a:bodyPr/>
+          <a:lstStyle/>
+          <a:p>
+            <a:fld id="{E88C504D-4CED-464F-9728-77914B6D6C65}" type="slidenum">
+              <a:rPr lang="ru-RU" smtClean="0"/>
+              <a:t>14</a:t>
             </a:fld>
             <a:endParaRPr lang="ru-RU"/>
           </a:p>
@@ -1316,7 +1401,7 @@
           <a:bodyPr/>
           <a:lstStyle/>
           <a:p>
-            <a:fld id="{D8EA78DB-7017-C84C-8502-3CF05F5B7DF2}" type="datetime1">
+            <a:fld id="{CA58CBA4-68C9-4945-A335-1F26B21FCFFF}" type="datetime1">
               <a:rPr lang="ru-RU" smtClean="0"/>
               <a:t>25.10.2019</a:t>
             </a:fld>
@@ -1493,7 +1578,7 @@
           <a:bodyPr/>
           <a:lstStyle/>
           <a:p>
-            <a:fld id="{367A14BB-D7D3-6B46-B403-964AAC333086}" type="datetime1">
+            <a:fld id="{537F01B1-5811-3B49-87B4-100A11DFFD8A}" type="datetime1">
               <a:rPr lang="ru-RU" smtClean="0"/>
               <a:t>25.10.2019</a:t>
             </a:fld>
@@ -1685,7 +1770,7 @@
           <a:bodyPr/>
           <a:lstStyle/>
           <a:p>
-            <a:fld id="{83026652-61B5-8941-9116-409021FB569A}" type="datetime1">
+            <a:fld id="{1958ABA5-7862-0647-9373-44200F422291}" type="datetime1">
               <a:rPr lang="ru-RU" smtClean="0"/>
               <a:t>25.10.2019</a:t>
             </a:fld>
@@ -1954,7 +2039,7 @@
           <a:bodyPr/>
           <a:lstStyle/>
           <a:p>
-            <a:fld id="{1F80BD55-16D5-1143-B1CF-AD9F29A5589E}" type="datetime1">
+            <a:fld id="{A4C6F434-19A4-6246-AFEB-7648C82DE70D}" type="datetime1">
               <a:rPr lang="ru-RU" smtClean="0"/>
               <a:t>25.10.2019</a:t>
             </a:fld>
@@ -2247,7 +2332,7 @@
           <a:bodyPr/>
           <a:lstStyle/>
           <a:p>
-            <a:fld id="{E06975AC-F1A4-8848-AD23-FFA53799B1AB}" type="datetime1">
+            <a:fld id="{636F4A93-2E6C-9143-A6E2-0290B90D342A}" type="datetime1">
               <a:rPr lang="ru-RU" smtClean="0"/>
               <a:t>25.10.2019</a:t>
             </a:fld>
@@ -2491,7 +2576,7 @@
           <a:bodyPr/>
           <a:lstStyle/>
           <a:p>
-            <a:fld id="{7899AFBB-555D-9E4D-9D8F-1237A2761D9C}" type="datetime1">
+            <a:fld id="{4ECEFCB1-7101-204D-B5CB-B7C062ED07A4}" type="datetime1">
               <a:rPr lang="ru-RU" smtClean="0"/>
               <a:t>25.10.2019</a:t>
             </a:fld>
@@ -2870,7 +2955,7 @@
           <a:bodyPr/>
           <a:lstStyle/>
           <a:p>
-            <a:fld id="{C2D2AD14-86A8-EB4D-9270-59F8D0DA1FBA}" type="datetime1">
+            <a:fld id="{134CA1FD-E87C-674D-AA82-989A3B9BF3B3}" type="datetime1">
               <a:rPr lang="ru-RU" smtClean="0"/>
               <a:t>25.10.2019</a:t>
             </a:fld>
@@ -2988,7 +3073,7 @@
           <a:bodyPr/>
           <a:lstStyle/>
           <a:p>
-            <a:fld id="{B513744C-9CA0-F847-86E4-B49415FA0C46}" type="datetime1">
+            <a:fld id="{F03524C4-2350-7144-BE17-EF40B4F90D10}" type="datetime1">
               <a:rPr lang="ru-RU" smtClean="0"/>
               <a:t>25.10.2019</a:t>
             </a:fld>
@@ -3083,7 +3168,7 @@
           <a:bodyPr/>
           <a:lstStyle/>
           <a:p>
-            <a:fld id="{739314B9-77F4-114B-9490-E788158975C5}" type="datetime1">
+            <a:fld id="{7089BDC2-57B7-DC43-B2D4-DF7BB1A25896}" type="datetime1">
               <a:rPr lang="ru-RU" smtClean="0"/>
               <a:t>25.10.2019</a:t>
             </a:fld>
@@ -3372,7 +3457,7 @@
           <a:bodyPr/>
           <a:lstStyle/>
           <a:p>
-            <a:fld id="{2957595D-10B3-0F4F-9BC7-FBE3323F8B03}" type="datetime1">
+            <a:fld id="{C22DBA6E-60A1-374B-B5A0-6AAB4287B35A}" type="datetime1">
               <a:rPr lang="ru-RU" smtClean="0"/>
               <a:t>25.10.2019</a:t>
             </a:fld>
@@ -3637,7 +3722,7 @@
           <a:bodyPr/>
           <a:lstStyle/>
           <a:p>
-            <a:fld id="{AFBD92A5-15B5-7F46-9F13-10AC17388D84}" type="datetime1">
+            <a:fld id="{64F8FD5D-286C-8346-8958-61EDFE6CDCF4}" type="datetime1">
               <a:rPr lang="ru-RU" smtClean="0"/>
               <a:t>25.10.2019</a:t>
             </a:fld>
@@ -3914,7 +3999,7 @@
             </a:lvl1pPr>
           </a:lstStyle>
           <a:p>
-            <a:fld id="{4D174D8D-3ED2-AE4B-B8D8-A38C5221301C}" type="datetime1">
+            <a:fld id="{BF9CAB80-76BC-2344-8DD1-203D0260B739}" type="datetime1">
               <a:rPr lang="ru-RU" smtClean="0"/>
               <a:t>25.10.2019</a:t>
             </a:fld>
@@ -4531,7 +4616,7 @@
           <a:p>
             <a:fld id="{A223BC15-A9AD-5546-8D14-53AC8B599691}" type="slidenum">
               <a:rPr lang="ru-RU" smtClean="0"/>
-              <a:t>9</a:t>
+              <a:t>10</a:t>
             </a:fld>
             <a:endParaRPr lang="ru-RU"/>
           </a:p>
@@ -4647,7 +4732,7 @@
           <a:p>
             <a:fld id="{A223BC15-A9AD-5546-8D14-53AC8B599691}" type="slidenum">
               <a:rPr lang="ru-RU" smtClean="0"/>
-              <a:t>10</a:t>
+              <a:t>11</a:t>
             </a:fld>
             <a:endParaRPr lang="ru-RU"/>
           </a:p>
@@ -4737,7 +4822,7 @@
             <a:fld id="{A223BC15-A9AD-5546-8D14-53AC8B599691}" type="slidenum">
               <a:rPr lang="ru-RU" smtClean="0"/>
               <a:pPr/>
-              <a:t>11</a:t>
+              <a:t>12</a:t>
             </a:fld>
             <a:endParaRPr lang="ru-RU" dirty="0"/>
           </a:p>
@@ -4880,7 +4965,7 @@
             <a:fld id="{A223BC15-A9AD-5546-8D14-53AC8B599691}" type="slidenum">
               <a:rPr lang="ru-RU" smtClean="0"/>
               <a:pPr/>
-              <a:t>12</a:t>
+              <a:t>13</a:t>
             </a:fld>
             <a:endParaRPr lang="ru-RU" dirty="0"/>
           </a:p>
@@ -5042,7 +5127,7 @@
             <a:fld id="{A223BC15-A9AD-5546-8D14-53AC8B599691}" type="slidenum">
               <a:rPr lang="ru-RU" smtClean="0"/>
               <a:pPr/>
-              <a:t>13</a:t>
+              <a:t>14</a:t>
             </a:fld>
             <a:endParaRPr lang="ru-RU" dirty="0"/>
           </a:p>
@@ -5052,6 +5137,155 @@
     <p:extLst>
       <p:ext uri="{BB962C8B-B14F-4D97-AF65-F5344CB8AC3E}">
         <p14:creationId xmlns:p14="http://schemas.microsoft.com/office/powerpoint/2010/main" val="1759040115"/>
+      </p:ext>
+    </p:extLst>
+  </p:cSld>
+  <p:clrMapOvr>
+    <a:masterClrMapping/>
+  </p:clrMapOvr>
+  <p:timing>
+    <p:tnLst>
+      <p:par>
+        <p:cTn id="1" dur="indefinite" restart="never" nodeType="tmRoot"/>
+      </p:par>
+    </p:tnLst>
+  </p:timing>
+</p:sld>
+</file>
+
+<file path=ppt/slides/slide15.xml><?xml version="1.0" encoding="utf-8"?>
+<p:sld xmlns:a="http://schemas.openxmlformats.org/drawingml/2006/main" xmlns:r="http://schemas.openxmlformats.org/officeDocument/2006/relationships" xmlns:p="http://schemas.openxmlformats.org/presentationml/2006/main">
+  <p:cSld>
+    <p:spTree>
+      <p:nvGrpSpPr>
+        <p:cNvPr id="1" name=""/>
+        <p:cNvGrpSpPr/>
+        <p:nvPr/>
+      </p:nvGrpSpPr>
+      <p:grpSpPr>
+        <a:xfrm>
+          <a:off x="0" y="0"/>
+          <a:ext cx="0" cy="0"/>
+          <a:chOff x="0" y="0"/>
+          <a:chExt cx="0" cy="0"/>
+        </a:xfrm>
+      </p:grpSpPr>
+      <p:sp>
+        <p:nvSpPr>
+          <p:cNvPr id="2" name="Заголовок 1"/>
+          <p:cNvSpPr>
+            <a:spLocks noGrp="1"/>
+          </p:cNvSpPr>
+          <p:nvPr>
+            <p:ph type="ctrTitle"/>
+          </p:nvPr>
+        </p:nvSpPr>
+        <p:spPr>
+          <a:xfrm>
+            <a:off x="771776" y="605255"/>
+            <a:ext cx="9144000" cy="2387600"/>
+          </a:xfrm>
+          <a:noFill/>
+          <a:effectLst>
+            <a:glow>
+              <a:schemeClr val="accent1">
+                <a:alpha val="40000"/>
+              </a:schemeClr>
+            </a:glow>
+          </a:effectLst>
+        </p:spPr>
+        <p:txBody>
+          <a:bodyPr>
+            <a:normAutofit/>
+          </a:bodyPr>
+          <a:lstStyle/>
+          <a:p>
+            <a:r>
+              <a:rPr lang="ru-RU" sz="9600" dirty="0" smtClean="0">
+                <a:effectLst>
+                  <a:glow rad="635000">
+                    <a:schemeClr val="accent1">
+                      <a:alpha val="24000"/>
+                    </a:schemeClr>
+                  </a:glow>
+                </a:effectLst>
+              </a:rPr>
+              <a:t>Спасибо!</a:t>
+            </a:r>
+            <a:endParaRPr lang="ru-RU" sz="9600" dirty="0">
+              <a:effectLst>
+                <a:glow rad="635000">
+                  <a:schemeClr val="accent1">
+                    <a:alpha val="24000"/>
+                  </a:schemeClr>
+                </a:glow>
+              </a:effectLst>
+            </a:endParaRPr>
+          </a:p>
+        </p:txBody>
+      </p:sp>
+      <p:sp>
+        <p:nvSpPr>
+          <p:cNvPr id="3" name="Подзаголовок 2"/>
+          <p:cNvSpPr>
+            <a:spLocks noGrp="1"/>
+          </p:cNvSpPr>
+          <p:nvPr>
+            <p:ph type="subTitle" idx="1"/>
+          </p:nvPr>
+        </p:nvSpPr>
+        <p:spPr>
+          <a:xfrm>
+            <a:off x="771776" y="4514139"/>
+            <a:ext cx="9144000" cy="1655762"/>
+          </a:xfrm>
+        </p:spPr>
+        <p:txBody>
+          <a:bodyPr/>
+          <a:lstStyle/>
+          <a:p>
+            <a:r>
+              <a:rPr lang="ru-RU" dirty="0" smtClean="0"/>
+              <a:t>Вопросы?</a:t>
+            </a:r>
+            <a:endParaRPr lang="ru-RU" dirty="0"/>
+          </a:p>
+        </p:txBody>
+      </p:sp>
+      <p:pic>
+        <p:nvPicPr>
+          <p:cNvPr id="4" name="Изображение 3"/>
+          <p:cNvPicPr>
+            <a:picLocks noChangeAspect="1"/>
+          </p:cNvPicPr>
+          <p:nvPr/>
+        </p:nvPicPr>
+        <p:blipFill>
+          <a:blip r:embed="rId2">
+            <a:extLst>
+              <a:ext uri="{28A0092B-C50C-407E-A947-70E740481C1C}">
+                <a14:useLocalDpi xmlns:a14="http://schemas.microsoft.com/office/drawing/2010/main" val="0"/>
+              </a:ext>
+            </a:extLst>
+          </a:blip>
+          <a:stretch>
+            <a:fillRect/>
+          </a:stretch>
+        </p:blipFill>
+        <p:spPr>
+          <a:xfrm rot="16200000">
+            <a:off x="8084688" y="2746688"/>
+            <a:ext cx="6876000" cy="1375200"/>
+          </a:xfrm>
+          <a:prstGeom prst="rect">
+            <a:avLst/>
+          </a:prstGeom>
+        </p:spPr>
+      </p:pic>
+    </p:spTree>
+    <p:extLst>
+      <p:ext uri="{BB962C8B-B14F-4D97-AF65-F5344CB8AC3E}">
+        <p14:creationId xmlns:p14="http://schemas.microsoft.com/office/powerpoint/2010/main" val="996786680"/>
       </p:ext>
     </p:extLst>
   </p:cSld>
@@ -5126,7 +5360,7 @@
             <a:fld id="{A223BC15-A9AD-5546-8D14-53AC8B599691}" type="slidenum">
               <a:rPr lang="ru-RU" smtClean="0"/>
               <a:pPr/>
-              <a:t>1</a:t>
+              <a:t>2</a:t>
             </a:fld>
             <a:endParaRPr lang="ru-RU" dirty="0"/>
           </a:p>
@@ -5161,7 +5395,7 @@
               <a:avLst/>
             </a:prstGeom>
             <a:blipFill>
-              <a:blip r:embed="rId2"/>
+              <a:blip r:embed="rId3"/>
               <a:stretch>
                 <a:fillRect/>
               </a:stretch>
@@ -5262,7 +5496,7 @@
               <a:avLst/>
             </a:prstGeom>
             <a:blipFill>
-              <a:blip r:embed="rId3"/>
+              <a:blip r:embed="rId4"/>
               <a:stretch>
                 <a:fillRect/>
               </a:stretch>
@@ -5358,7 +5592,7 @@
               <a:avLst/>
             </a:prstGeom>
             <a:blipFill>
-              <a:blip r:embed="rId4"/>
+              <a:blip r:embed="rId5"/>
               <a:stretch>
                 <a:fillRect/>
               </a:stretch>
@@ -5454,7 +5688,7 @@
               <a:avLst/>
             </a:prstGeom>
             <a:blipFill>
-              <a:blip r:embed="rId5"/>
+              <a:blip r:embed="rId6"/>
               <a:stretch>
                 <a:fillRect/>
               </a:stretch>
@@ -5550,7 +5784,7 @@
               <a:avLst/>
             </a:prstGeom>
             <a:blipFill>
-              <a:blip r:embed="rId6"/>
+              <a:blip r:embed="rId7"/>
               <a:stretch>
                 <a:fillRect/>
               </a:stretch>
@@ -5736,7 +5970,7 @@
           <a:p>
             <a:fld id="{A223BC15-A9AD-5546-8D14-53AC8B599691}" type="slidenum">
               <a:rPr lang="ru-RU" smtClean="0"/>
-              <a:t>2</a:t>
+              <a:t>3</a:t>
             </a:fld>
             <a:endParaRPr lang="ru-RU" dirty="0"/>
           </a:p>
@@ -5980,7 +6214,7 @@
           <a:p>
             <a:fld id="{A223BC15-A9AD-5546-8D14-53AC8B599691}" type="slidenum">
               <a:rPr lang="ru-RU" smtClean="0"/>
-              <a:t>3</a:t>
+              <a:t>4</a:t>
             </a:fld>
             <a:endParaRPr lang="ru-RU"/>
           </a:p>
@@ -6176,7 +6410,7 @@
             <a:fld id="{A223BC15-A9AD-5546-8D14-53AC8B599691}" type="slidenum">
               <a:rPr lang="ru-RU" smtClean="0"/>
               <a:pPr/>
-              <a:t>4</a:t>
+              <a:t>5</a:t>
             </a:fld>
             <a:endParaRPr lang="ru-RU" dirty="0"/>
           </a:p>
@@ -6260,7 +6494,7 @@
             <a:fld id="{A223BC15-A9AD-5546-8D14-53AC8B599691}" type="slidenum">
               <a:rPr lang="ru-RU" smtClean="0"/>
               <a:pPr/>
-              <a:t>5</a:t>
+              <a:t>6</a:t>
             </a:fld>
             <a:endParaRPr lang="ru-RU" dirty="0"/>
           </a:p>
@@ -6404,7 +6638,7 @@
             <a:fld id="{A223BC15-A9AD-5546-8D14-53AC8B599691}" type="slidenum">
               <a:rPr lang="ru-RU" smtClean="0"/>
               <a:pPr/>
-              <a:t>6</a:t>
+              <a:t>7</a:t>
             </a:fld>
             <a:endParaRPr lang="ru-RU" dirty="0"/>
           </a:p>
@@ -6532,7 +6766,7 @@
             <a:fld id="{A223BC15-A9AD-5546-8D14-53AC8B599691}" type="slidenum">
               <a:rPr lang="ru-RU" smtClean="0"/>
               <a:pPr/>
-              <a:t>7</a:t>
+              <a:t>8</a:t>
             </a:fld>
             <a:endParaRPr lang="ru-RU" dirty="0"/>
           </a:p>
@@ -6676,7 +6910,7 @@
             <a:fld id="{A223BC15-A9AD-5546-8D14-53AC8B599691}" type="slidenum">
               <a:rPr lang="ru-RU" smtClean="0"/>
               <a:pPr/>
-              <a:t>8</a:t>
+              <a:t>9</a:t>
             </a:fld>
             <a:endParaRPr lang="ru-RU" dirty="0"/>
           </a:p>

--- a/globuly.pptx
+++ b/globuly.pptx
@@ -4763,7 +4763,7 @@
         <p:spPr>
           <a:xfrm>
             <a:off x="1260160" y="1409381"/>
-            <a:ext cx="7729242" cy="5131501"/>
+            <a:ext cx="7729242" cy="5131500"/>
           </a:xfrm>
         </p:spPr>
       </p:pic>
@@ -6742,7 +6742,15 @@
           <a:p>
             <a:r>
               <a:rPr lang="ru-RU" dirty="0" smtClean="0"/>
-              <a:t>в решении используется для первой итерации</a:t>
+              <a:t>в </a:t>
+            </a:r>
+            <a:r>
+              <a:rPr lang="ru-RU" dirty="0" smtClean="0"/>
+              <a:t>реализации </a:t>
+            </a:r>
+            <a:r>
+              <a:rPr lang="ru-RU" dirty="0" smtClean="0"/>
+              <a:t>используется для первой итерации</a:t>
             </a:r>
             <a:endParaRPr lang="ru-RU" dirty="0"/>
           </a:p>
